--- a/docs/resources/overview/intro.pptx
+++ b/docs/resources/overview/intro.pptx
@@ -5,7 +5,7 @@
     <p:sldMasterId id="2147484043" r:id="rId1"/>
   </p:sldMasterIdLst>
   <p:handoutMasterIdLst>
-    <p:handoutMasterId r:id="rId20"/>
+    <p:handoutMasterId r:id="rId21"/>
   </p:handoutMasterIdLst>
   <p:sldIdLst>
     <p:sldId id="256" r:id="rId2"/>
@@ -25,7 +25,8 @@
     <p:sldId id="260" r:id="rId16"/>
     <p:sldId id="275" r:id="rId17"/>
     <p:sldId id="276" r:id="rId18"/>
-    <p:sldId id="282" r:id="rId19"/>
+    <p:sldId id="283" r:id="rId19"/>
+    <p:sldId id="284" r:id="rId20"/>
   </p:sldIdLst>
   <p:sldSz cx="9144000" cy="6858000" type="screen4x3"/>
   <p:notesSz cx="7315200" cy="9601200"/>
@@ -255,7 +256,7 @@
           <a:p>
             <a:fld id="{97654309-E051-4B9D-93AB-06E7A39ECE83}" type="datetimeFigureOut">
               <a:rPr lang="en-US" smtClean="0"/>
-              <a:t>1/10/17</a:t>
+              <a:t>1/8/26</a:t>
             </a:fld>
             <a:endParaRPr lang="en-US"/>
           </a:p>
@@ -398,9 +399,7 @@
         </p:style>
         <p:txBody>
           <a:bodyPr anchor="ctr"/>
-          <a:lstStyle>
-            <a:extLst/>
-          </a:lstStyle>
+          <a:lstStyle/>
           <a:p>
             <a:pPr algn="ctr" eaLnBrk="1" hangingPunct="1">
               <a:defRPr/>
@@ -454,9 +453,7 @@
         </p:style>
         <p:txBody>
           <a:bodyPr anchor="ctr"/>
-          <a:lstStyle>
-            <a:extLst/>
-          </a:lstStyle>
+          <a:lstStyle/>
           <a:p>
             <a:pPr algn="ctr" eaLnBrk="1" hangingPunct="1">
               <a:defRPr/>
@@ -491,10 +488,9 @@
           </a:lstStyle>
           <a:p>
             <a:r>
-              <a:rPr lang="en-US" smtClean="0"/>
+              <a:rPr lang="en-US"/>
               <a:t>Click to edit Master title style</a:t>
             </a:r>
-            <a:endParaRPr lang="en-US"/>
           </a:p>
         </p:txBody>
       </p:sp>
@@ -609,10 +605,9 @@
           </a:lstStyle>
           <a:p>
             <a:r>
-              <a:rPr lang="en-US" smtClean="0"/>
+              <a:rPr lang="en-US"/>
               <a:t>Click to edit Master subtitle style</a:t>
             </a:r>
-            <a:endParaRPr lang="en-US"/>
           </a:p>
         </p:txBody>
       </p:sp>
@@ -643,7 +638,7 @@
               <a:pPr>
                 <a:defRPr/>
               </a:pPr>
-              <a:t>1/10/17</a:t>
+              <a:t>1/8/26</a:t>
             </a:fld>
             <a:endParaRPr lang="en-US"/>
           </a:p>
@@ -751,15 +746,12 @@
         <p:spPr/>
         <p:txBody>
           <a:bodyPr/>
-          <a:lstStyle>
-            <a:extLst/>
-          </a:lstStyle>
+          <a:lstStyle/>
           <a:p>
             <a:r>
-              <a:rPr lang="en-US" smtClean="0"/>
+              <a:rPr lang="en-US"/>
               <a:t>Click to edit Master title style</a:t>
             </a:r>
-            <a:endParaRPr lang="en-US"/>
           </a:p>
         </p:txBody>
       </p:sp>
@@ -776,44 +768,41 @@
         <p:spPr/>
         <p:txBody>
           <a:bodyPr vert="eaVert"/>
-          <a:lstStyle>
-            <a:extLst/>
-          </a:lstStyle>
+          <a:lstStyle/>
           <a:p>
             <a:pPr lvl="0"/>
             <a:r>
-              <a:rPr lang="en-US" smtClean="0"/>
+              <a:rPr lang="en-US"/>
               <a:t>Click to edit Master text styles</a:t>
             </a:r>
           </a:p>
           <a:p>
             <a:pPr lvl="1"/>
             <a:r>
-              <a:rPr lang="en-US" smtClean="0"/>
+              <a:rPr lang="en-US"/>
               <a:t>Second level</a:t>
             </a:r>
           </a:p>
           <a:p>
             <a:pPr lvl="2"/>
             <a:r>
-              <a:rPr lang="en-US" smtClean="0"/>
+              <a:rPr lang="en-US"/>
               <a:t>Third level</a:t>
             </a:r>
           </a:p>
           <a:p>
             <a:pPr lvl="3"/>
             <a:r>
-              <a:rPr lang="en-US" smtClean="0"/>
+              <a:rPr lang="en-US"/>
               <a:t>Fourth level</a:t>
             </a:r>
           </a:p>
           <a:p>
             <a:pPr lvl="4"/>
             <a:r>
-              <a:rPr lang="en-US" smtClean="0"/>
+              <a:rPr lang="en-US"/>
               <a:t>Fifth level</a:t>
             </a:r>
-            <a:endParaRPr lang="en-US"/>
           </a:p>
         </p:txBody>
       </p:sp>
@@ -844,7 +833,7 @@
               <a:pPr>
                 <a:defRPr/>
               </a:pPr>
-              <a:t>1/10/17</a:t>
+              <a:t>1/8/26</a:t>
             </a:fld>
             <a:endParaRPr lang="en-US"/>
           </a:p>
@@ -984,9 +973,7 @@
         </p:style>
         <p:txBody>
           <a:bodyPr anchor="ctr"/>
-          <a:lstStyle>
-            <a:extLst/>
-          </a:lstStyle>
+          <a:lstStyle/>
           <a:p>
             <a:pPr algn="ctr" eaLnBrk="1" hangingPunct="1">
               <a:defRPr/>
@@ -1033,9 +1020,7 @@
         </p:style>
         <p:txBody>
           <a:bodyPr anchor="ctr"/>
-          <a:lstStyle>
-            <a:extLst/>
-          </a:lstStyle>
+          <a:lstStyle/>
           <a:p>
             <a:pPr algn="ctr" eaLnBrk="1" hangingPunct="1">
               <a:defRPr/>
@@ -1062,15 +1047,12 @@
         </p:spPr>
         <p:txBody>
           <a:bodyPr vert="eaVert"/>
-          <a:lstStyle>
-            <a:extLst/>
-          </a:lstStyle>
+          <a:lstStyle/>
           <a:p>
             <a:r>
-              <a:rPr lang="en-US" smtClean="0"/>
+              <a:rPr lang="en-US"/>
               <a:t>Click to edit Master title style</a:t>
             </a:r>
-            <a:endParaRPr lang="en-US"/>
           </a:p>
         </p:txBody>
       </p:sp>
@@ -1092,44 +1074,41 @@
         </p:spPr>
         <p:txBody>
           <a:bodyPr vert="eaVert"/>
-          <a:lstStyle>
-            <a:extLst/>
-          </a:lstStyle>
+          <a:lstStyle/>
           <a:p>
             <a:pPr lvl="0"/>
             <a:r>
-              <a:rPr lang="en-US" smtClean="0"/>
+              <a:rPr lang="en-US"/>
               <a:t>Click to edit Master text styles</a:t>
             </a:r>
           </a:p>
           <a:p>
             <a:pPr lvl="1"/>
             <a:r>
-              <a:rPr lang="en-US" smtClean="0"/>
+              <a:rPr lang="en-US"/>
               <a:t>Second level</a:t>
             </a:r>
           </a:p>
           <a:p>
             <a:pPr lvl="2"/>
             <a:r>
-              <a:rPr lang="en-US" smtClean="0"/>
+              <a:rPr lang="en-US"/>
               <a:t>Third level</a:t>
             </a:r>
           </a:p>
           <a:p>
             <a:pPr lvl="3"/>
             <a:r>
-              <a:rPr lang="en-US" smtClean="0"/>
+              <a:rPr lang="en-US"/>
               <a:t>Fourth level</a:t>
             </a:r>
           </a:p>
           <a:p>
             <a:pPr lvl="4"/>
             <a:r>
-              <a:rPr lang="en-US" smtClean="0"/>
+              <a:rPr lang="en-US"/>
               <a:t>Fifth level</a:t>
             </a:r>
-            <a:endParaRPr lang="en-US"/>
           </a:p>
         </p:txBody>
       </p:sp>
@@ -1160,7 +1139,7 @@
               <a:pPr>
                 <a:defRPr/>
               </a:pPr>
-              <a:t>1/10/17</a:t>
+              <a:t>1/8/26</a:t>
             </a:fld>
             <a:endParaRPr lang="en-US"/>
           </a:p>
@@ -1278,15 +1257,12 @@
         </p:spPr>
         <p:txBody>
           <a:bodyPr/>
-          <a:lstStyle>
-            <a:extLst/>
-          </a:lstStyle>
+          <a:lstStyle/>
           <a:p>
             <a:r>
-              <a:rPr lang="en-US" smtClean="0"/>
+              <a:rPr lang="en-US"/>
               <a:t>Click to edit Master title style</a:t>
             </a:r>
-            <a:endParaRPr lang="en-US"/>
           </a:p>
         </p:txBody>
       </p:sp>
@@ -1303,44 +1279,41 @@
         <p:spPr/>
         <p:txBody>
           <a:bodyPr/>
-          <a:lstStyle>
-            <a:extLst/>
-          </a:lstStyle>
+          <a:lstStyle/>
           <a:p>
             <a:pPr lvl="0"/>
             <a:r>
-              <a:rPr lang="en-US" smtClean="0"/>
+              <a:rPr lang="en-US"/>
               <a:t>Click to edit Master text styles</a:t>
             </a:r>
           </a:p>
           <a:p>
             <a:pPr lvl="1"/>
             <a:r>
-              <a:rPr lang="en-US" smtClean="0"/>
+              <a:rPr lang="en-US"/>
               <a:t>Second level</a:t>
             </a:r>
           </a:p>
           <a:p>
             <a:pPr lvl="2"/>
             <a:r>
-              <a:rPr lang="en-US" smtClean="0"/>
+              <a:rPr lang="en-US"/>
               <a:t>Third level</a:t>
             </a:r>
           </a:p>
           <a:p>
             <a:pPr lvl="3"/>
             <a:r>
-              <a:rPr lang="en-US" smtClean="0"/>
+              <a:rPr lang="en-US"/>
               <a:t>Fourth level</a:t>
             </a:r>
           </a:p>
           <a:p>
             <a:pPr lvl="4"/>
             <a:r>
-              <a:rPr lang="en-US" smtClean="0"/>
+              <a:rPr lang="en-US"/>
               <a:t>Fifth level</a:t>
             </a:r>
-            <a:endParaRPr lang="en-US"/>
           </a:p>
         </p:txBody>
       </p:sp>
@@ -1371,7 +1344,7 @@
               <a:pPr>
                 <a:defRPr/>
               </a:pPr>
-              <a:t>1/10/17</a:t>
+              <a:t>1/8/26</a:t>
             </a:fld>
             <a:endParaRPr lang="en-US"/>
           </a:p>
@@ -1509,9 +1482,7 @@
         </p:style>
         <p:txBody>
           <a:bodyPr anchor="ctr"/>
-          <a:lstStyle>
-            <a:extLst/>
-          </a:lstStyle>
+          <a:lstStyle/>
           <a:p>
             <a:pPr algn="ctr" eaLnBrk="1" hangingPunct="1">
               <a:defRPr/>
@@ -1565,9 +1536,7 @@
         </p:style>
         <p:txBody>
           <a:bodyPr anchor="ctr"/>
-          <a:lstStyle>
-            <a:extLst/>
-          </a:lstStyle>
+          <a:lstStyle/>
           <a:p>
             <a:pPr algn="ctr" eaLnBrk="1" hangingPunct="1">
               <a:defRPr/>
@@ -1602,10 +1571,9 @@
           </a:lstStyle>
           <a:p>
             <a:r>
-              <a:rPr lang="en-US" smtClean="0"/>
+              <a:rPr lang="en-US"/>
               <a:t>Click to edit Master title style</a:t>
             </a:r>
-            <a:endParaRPr lang="en-US"/>
           </a:p>
         </p:txBody>
       </p:sp>
@@ -1721,7 +1689,7 @@
           <a:p>
             <a:pPr lvl="0"/>
             <a:r>
-              <a:rPr lang="en-US" smtClean="0"/>
+              <a:rPr lang="en-US"/>
               <a:t>Click to edit Master text styles</a:t>
             </a:r>
           </a:p>
@@ -1754,7 +1722,7 @@
               <a:pPr>
                 <a:defRPr/>
               </a:pPr>
-              <a:t>1/10/17</a:t>
+              <a:t>1/8/26</a:t>
             </a:fld>
             <a:endParaRPr lang="en-US"/>
           </a:p>
@@ -1862,15 +1830,12 @@
         <p:spPr/>
         <p:txBody>
           <a:bodyPr/>
-          <a:lstStyle>
-            <a:extLst/>
-          </a:lstStyle>
+          <a:lstStyle/>
           <a:p>
             <a:r>
-              <a:rPr lang="en-US" smtClean="0"/>
+              <a:rPr lang="en-US"/>
               <a:t>Click to edit Master title style</a:t>
             </a:r>
-            <a:endParaRPr lang="en-US"/>
           </a:p>
         </p:txBody>
       </p:sp>
@@ -1925,38 +1890,37 @@
           <a:p>
             <a:pPr lvl="0"/>
             <a:r>
-              <a:rPr lang="en-US" smtClean="0"/>
+              <a:rPr lang="en-US"/>
               <a:t>Click to edit Master text styles</a:t>
             </a:r>
           </a:p>
           <a:p>
             <a:pPr lvl="1"/>
             <a:r>
-              <a:rPr lang="en-US" smtClean="0"/>
+              <a:rPr lang="en-US"/>
               <a:t>Second level</a:t>
             </a:r>
           </a:p>
           <a:p>
             <a:pPr lvl="2"/>
             <a:r>
-              <a:rPr lang="en-US" smtClean="0"/>
+              <a:rPr lang="en-US"/>
               <a:t>Third level</a:t>
             </a:r>
           </a:p>
           <a:p>
             <a:pPr lvl="3"/>
             <a:r>
-              <a:rPr lang="en-US" smtClean="0"/>
+              <a:rPr lang="en-US"/>
               <a:t>Fourth level</a:t>
             </a:r>
           </a:p>
           <a:p>
             <a:pPr lvl="4"/>
             <a:r>
-              <a:rPr lang="en-US" smtClean="0"/>
+              <a:rPr lang="en-US"/>
               <a:t>Fifth level</a:t>
             </a:r>
-            <a:endParaRPr lang="en-US"/>
           </a:p>
         </p:txBody>
       </p:sp>
@@ -2011,38 +1975,37 @@
           <a:p>
             <a:pPr lvl="0"/>
             <a:r>
-              <a:rPr lang="en-US" smtClean="0"/>
+              <a:rPr lang="en-US"/>
               <a:t>Click to edit Master text styles</a:t>
             </a:r>
           </a:p>
           <a:p>
             <a:pPr lvl="1"/>
             <a:r>
-              <a:rPr lang="en-US" smtClean="0"/>
+              <a:rPr lang="en-US"/>
               <a:t>Second level</a:t>
             </a:r>
           </a:p>
           <a:p>
             <a:pPr lvl="2"/>
             <a:r>
-              <a:rPr lang="en-US" smtClean="0"/>
+              <a:rPr lang="en-US"/>
               <a:t>Third level</a:t>
             </a:r>
           </a:p>
           <a:p>
             <a:pPr lvl="3"/>
             <a:r>
-              <a:rPr lang="en-US" smtClean="0"/>
+              <a:rPr lang="en-US"/>
               <a:t>Fourth level</a:t>
             </a:r>
           </a:p>
           <a:p>
             <a:pPr lvl="4"/>
             <a:r>
-              <a:rPr lang="en-US" smtClean="0"/>
+              <a:rPr lang="en-US"/>
               <a:t>Fifth level</a:t>
             </a:r>
-            <a:endParaRPr lang="en-US"/>
           </a:p>
         </p:txBody>
       </p:sp>
@@ -2073,7 +2036,7 @@
               <a:pPr>
                 <a:defRPr/>
               </a:pPr>
-              <a:t>1/10/17</a:t>
+              <a:t>1/8/26</a:t>
             </a:fld>
             <a:endParaRPr lang="en-US"/>
           </a:p>
@@ -2189,10 +2152,9 @@
           </a:lstStyle>
           <a:p>
             <a:r>
-              <a:rPr lang="en-US" smtClean="0"/>
+              <a:rPr lang="en-US"/>
               <a:t>Click to edit Master title style</a:t>
             </a:r>
-            <a:endParaRPr lang="en-US"/>
           </a:p>
         </p:txBody>
       </p:sp>
@@ -2256,7 +2218,7 @@
           <a:p>
             <a:pPr lvl="0"/>
             <a:r>
-              <a:rPr lang="en-US" smtClean="0"/>
+              <a:rPr lang="en-US"/>
               <a:t>Click to edit Master text styles</a:t>
             </a:r>
           </a:p>
@@ -2313,38 +2275,37 @@
           <a:p>
             <a:pPr lvl="0"/>
             <a:r>
-              <a:rPr lang="en-US" smtClean="0"/>
+              <a:rPr lang="en-US"/>
               <a:t>Click to edit Master text styles</a:t>
             </a:r>
           </a:p>
           <a:p>
             <a:pPr lvl="1"/>
             <a:r>
-              <a:rPr lang="en-US" smtClean="0"/>
+              <a:rPr lang="en-US"/>
               <a:t>Second level</a:t>
             </a:r>
           </a:p>
           <a:p>
             <a:pPr lvl="2"/>
             <a:r>
-              <a:rPr lang="en-US" smtClean="0"/>
+              <a:rPr lang="en-US"/>
               <a:t>Third level</a:t>
             </a:r>
           </a:p>
           <a:p>
             <a:pPr lvl="3"/>
             <a:r>
-              <a:rPr lang="en-US" smtClean="0"/>
+              <a:rPr lang="en-US"/>
               <a:t>Fourth level</a:t>
             </a:r>
           </a:p>
           <a:p>
             <a:pPr lvl="4"/>
             <a:r>
-              <a:rPr lang="en-US" smtClean="0"/>
+              <a:rPr lang="en-US"/>
               <a:t>Fifth level</a:t>
             </a:r>
-            <a:endParaRPr lang="en-US"/>
           </a:p>
         </p:txBody>
       </p:sp>
@@ -2408,7 +2369,7 @@
           <a:p>
             <a:pPr lvl="0"/>
             <a:r>
-              <a:rPr lang="en-US" smtClean="0"/>
+              <a:rPr lang="en-US"/>
               <a:t>Click to edit Master text styles</a:t>
             </a:r>
           </a:p>
@@ -2465,38 +2426,37 @@
           <a:p>
             <a:pPr lvl="0"/>
             <a:r>
-              <a:rPr lang="en-US" smtClean="0"/>
+              <a:rPr lang="en-US"/>
               <a:t>Click to edit Master text styles</a:t>
             </a:r>
           </a:p>
           <a:p>
             <a:pPr lvl="1"/>
             <a:r>
-              <a:rPr lang="en-US" smtClean="0"/>
+              <a:rPr lang="en-US"/>
               <a:t>Second level</a:t>
             </a:r>
           </a:p>
           <a:p>
             <a:pPr lvl="2"/>
             <a:r>
-              <a:rPr lang="en-US" smtClean="0"/>
+              <a:rPr lang="en-US"/>
               <a:t>Third level</a:t>
             </a:r>
           </a:p>
           <a:p>
             <a:pPr lvl="3"/>
             <a:r>
-              <a:rPr lang="en-US" smtClean="0"/>
+              <a:rPr lang="en-US"/>
               <a:t>Fourth level</a:t>
             </a:r>
           </a:p>
           <a:p>
             <a:pPr lvl="4"/>
             <a:r>
-              <a:rPr lang="en-US" smtClean="0"/>
+              <a:rPr lang="en-US"/>
               <a:t>Fifth level</a:t>
             </a:r>
-            <a:endParaRPr lang="en-US"/>
           </a:p>
         </p:txBody>
       </p:sp>
@@ -2527,7 +2487,7 @@
               <a:pPr>
                 <a:defRPr/>
               </a:pPr>
-              <a:t>1/10/17</a:t>
+              <a:t>1/8/26</a:t>
             </a:fld>
             <a:endParaRPr lang="en-US"/>
           </a:p>
@@ -2635,15 +2595,12 @@
         <p:spPr/>
         <p:txBody>
           <a:bodyPr/>
-          <a:lstStyle>
-            <a:extLst/>
-          </a:lstStyle>
+          <a:lstStyle/>
           <a:p>
             <a:r>
-              <a:rPr lang="en-US" smtClean="0"/>
+              <a:rPr lang="en-US"/>
               <a:t>Click to edit Master title style</a:t>
             </a:r>
-            <a:endParaRPr lang="en-US"/>
           </a:p>
         </p:txBody>
       </p:sp>
@@ -2674,7 +2631,7 @@
               <a:pPr>
                 <a:defRPr/>
               </a:pPr>
-              <a:t>1/10/17</a:t>
+              <a:t>1/8/26</a:t>
             </a:fld>
             <a:endParaRPr lang="en-US"/>
           </a:p>
@@ -2796,7 +2753,7 @@
               <a:pPr>
                 <a:defRPr/>
               </a:pPr>
-              <a:t>1/10/17</a:t>
+              <a:t>1/8/26</a:t>
             </a:fld>
             <a:endParaRPr lang="en-US"/>
           </a:p>
@@ -2929,9 +2886,7 @@
         </p:style>
         <p:txBody>
           <a:bodyPr anchor="ctr"/>
-          <a:lstStyle>
-            <a:extLst/>
-          </a:lstStyle>
+          <a:lstStyle/>
           <a:p>
             <a:pPr algn="ctr" eaLnBrk="1" hangingPunct="1">
               <a:defRPr/>
@@ -2978,9 +2933,7 @@
         </p:style>
         <p:txBody>
           <a:bodyPr anchor="ctr"/>
-          <a:lstStyle>
-            <a:extLst/>
-          </a:lstStyle>
+          <a:lstStyle/>
           <a:p>
             <a:pPr algn="ctr" eaLnBrk="1" hangingPunct="1">
               <a:defRPr/>
@@ -3017,10 +2970,9 @@
           </a:lstStyle>
           <a:p>
             <a:r>
-              <a:rPr lang="en-US" smtClean="0"/>
+              <a:rPr lang="en-US"/>
               <a:t>Click to edit Master title style</a:t>
             </a:r>
-            <a:endParaRPr lang="en-US"/>
           </a:p>
         </p:txBody>
       </p:sp>
@@ -3075,38 +3027,37 @@
           <a:p>
             <a:pPr lvl="0"/>
             <a:r>
-              <a:rPr lang="en-US" smtClean="0"/>
+              <a:rPr lang="en-US"/>
               <a:t>Click to edit Master text styles</a:t>
             </a:r>
           </a:p>
           <a:p>
             <a:pPr lvl="1"/>
             <a:r>
-              <a:rPr lang="en-US" smtClean="0"/>
+              <a:rPr lang="en-US"/>
               <a:t>Second level</a:t>
             </a:r>
           </a:p>
           <a:p>
             <a:pPr lvl="2"/>
             <a:r>
-              <a:rPr lang="en-US" smtClean="0"/>
+              <a:rPr lang="en-US"/>
               <a:t>Third level</a:t>
             </a:r>
           </a:p>
           <a:p>
             <a:pPr lvl="3"/>
             <a:r>
-              <a:rPr lang="en-US" smtClean="0"/>
+              <a:rPr lang="en-US"/>
               <a:t>Fourth level</a:t>
             </a:r>
           </a:p>
           <a:p>
             <a:pPr lvl="4"/>
             <a:r>
-              <a:rPr lang="en-US" smtClean="0"/>
+              <a:rPr lang="en-US"/>
               <a:t>Fifth level</a:t>
             </a:r>
-            <a:endParaRPr lang="en-US"/>
           </a:p>
         </p:txBody>
       </p:sp>
@@ -3170,7 +3121,7 @@
           <a:p>
             <a:pPr lvl="0"/>
             <a:r>
-              <a:rPr lang="en-US" smtClean="0"/>
+              <a:rPr lang="en-US"/>
               <a:t>Click to edit Master text styles</a:t>
             </a:r>
           </a:p>
@@ -3203,7 +3154,7 @@
               <a:pPr>
                 <a:defRPr/>
               </a:pPr>
-              <a:t>1/10/17</a:t>
+              <a:t>1/8/26</a:t>
             </a:fld>
             <a:endParaRPr lang="en-US"/>
           </a:p>
@@ -3341,9 +3292,7 @@
         </p:style>
         <p:txBody>
           <a:bodyPr anchor="ctr"/>
-          <a:lstStyle>
-            <a:extLst/>
-          </a:lstStyle>
+          <a:lstStyle/>
           <a:p>
             <a:pPr algn="ctr" eaLnBrk="1" hangingPunct="1">
               <a:defRPr/>
@@ -3390,9 +3339,7 @@
         </p:style>
         <p:txBody>
           <a:bodyPr anchor="ctr"/>
-          <a:lstStyle>
-            <a:extLst/>
-          </a:lstStyle>
+          <a:lstStyle/>
           <a:p>
             <a:pPr algn="ctr" eaLnBrk="1" hangingPunct="1">
               <a:defRPr/>
@@ -3429,10 +3376,9 @@
           </a:lstStyle>
           <a:p>
             <a:r>
-              <a:rPr lang="en-US" smtClean="0"/>
+              <a:rPr lang="en-US"/>
               <a:t>Click to edit Master title style</a:t>
             </a:r>
-            <a:endParaRPr lang="en-US"/>
           </a:p>
         </p:txBody>
       </p:sp>
@@ -3503,7 +3449,7 @@
           <a:p>
             <a:pPr lvl="0"/>
             <a:r>
-              <a:rPr lang="en-US" noProof="0" smtClean="0"/>
+              <a:rPr lang="en-US" noProof="0"/>
               <a:t>Click icon to add picture</a:t>
             </a:r>
             <a:endParaRPr lang="en-US" noProof="0" dirty="0"/>
@@ -3570,7 +3516,7 @@
           <a:p>
             <a:pPr lvl="0"/>
             <a:r>
-              <a:rPr lang="en-US" smtClean="0"/>
+              <a:rPr lang="en-US"/>
               <a:t>Click to edit Master text styles</a:t>
             </a:r>
           </a:p>
@@ -3608,7 +3554,7 @@
               <a:pPr>
                 <a:defRPr/>
               </a:pPr>
-              <a:t>1/10/17</a:t>
+              <a:t>1/8/26</a:t>
             </a:fld>
             <a:endParaRPr lang="en-US"/>
           </a:p>
@@ -3769,9 +3715,7 @@
         </p:style>
         <p:txBody>
           <a:bodyPr anchor="ctr"/>
-          <a:lstStyle>
-            <a:extLst/>
-          </a:lstStyle>
+          <a:lstStyle/>
           <a:p>
             <a:pPr algn="ctr" eaLnBrk="1" hangingPunct="1">
               <a:defRPr/>
@@ -3818,9 +3762,7 @@
         </p:style>
         <p:txBody>
           <a:bodyPr anchor="ctr"/>
-          <a:lstStyle>
-            <a:extLst/>
-          </a:lstStyle>
+          <a:lstStyle/>
           <a:p>
             <a:pPr algn="ctr" eaLnBrk="1" hangingPunct="1">
               <a:defRPr/>
@@ -3861,15 +3803,12 @@
               <a:bevelT w="50800" h="10160"/>
             </a:sp3d>
           </a:bodyPr>
-          <a:lstStyle>
-            <a:extLst/>
-          </a:lstStyle>
+          <a:lstStyle/>
           <a:p>
             <a:r>
-              <a:rPr lang="en-US" smtClean="0"/>
+              <a:rPr lang="en-US"/>
               <a:t>Click to edit Master title style</a:t>
             </a:r>
-            <a:endParaRPr lang="en-US"/>
           </a:p>
         </p:txBody>
       </p:sp>
@@ -3909,35 +3848,35 @@
           <a:p>
             <a:pPr lvl="0"/>
             <a:r>
-              <a:rPr lang="en-US" smtClean="0"/>
+              <a:rPr lang="en-US"/>
               <a:t>Click to edit Master text styles</a:t>
             </a:r>
           </a:p>
           <a:p>
             <a:pPr lvl="1"/>
             <a:r>
-              <a:rPr lang="en-US" smtClean="0"/>
+              <a:rPr lang="en-US"/>
               <a:t>Second level</a:t>
             </a:r>
           </a:p>
           <a:p>
             <a:pPr lvl="2"/>
             <a:r>
-              <a:rPr lang="en-US" smtClean="0"/>
+              <a:rPr lang="en-US"/>
               <a:t>Third level</a:t>
             </a:r>
           </a:p>
           <a:p>
             <a:pPr lvl="3"/>
             <a:r>
-              <a:rPr lang="en-US" smtClean="0"/>
+              <a:rPr lang="en-US"/>
               <a:t>Fourth level</a:t>
             </a:r>
           </a:p>
           <a:p>
             <a:pPr lvl="4"/>
             <a:r>
-              <a:rPr lang="en-US" smtClean="0"/>
+              <a:rPr lang="en-US"/>
               <a:t>Fifth level</a:t>
             </a:r>
           </a:p>
@@ -3985,7 +3924,7 @@
               <a:pPr>
                 <a:defRPr/>
               </a:pPr>
-              <a:t>1/10/17</a:t>
+              <a:t>1/8/26</a:t>
             </a:fld>
             <a:endParaRPr lang="en-US"/>
           </a:p>
@@ -4553,7 +4492,7 @@
               <a:defRPr/>
             </a:pPr>
             <a:r>
-              <a:rPr lang="en-US" dirty="0" smtClean="0">
+              <a:rPr lang="en-US" dirty="0">
                 <a:solidFill>
                   <a:schemeClr val="accent1">
                     <a:satMod val="150000"/>
@@ -4581,8 +4520,8 @@
           <a:lstStyle/>
           <a:p>
             <a:r>
-              <a:rPr lang="en-US" dirty="0" smtClean="0"/>
-              <a:t>CE EN 544 – BRIGHAM YOUNG UNIVERSITY</a:t>
+              <a:rPr lang="en-US" dirty="0"/>
+              <a:t>CE 544 – BRIGHAM YOUNG UNIVERSITY</a:t>
             </a:r>
           </a:p>
         </p:txBody>
@@ -4592,13 +4531,6 @@
   <p:clrMapOvr>
     <a:masterClrMapping/>
   </p:clrMapOvr>
-  <p:timing>
-    <p:tnLst>
-      <p:par>
-        <p:cTn id="1" dur="indefinite" restart="never" nodeType="tmRoot"/>
-      </p:par>
-    </p:tnLst>
-  </p:timing>
 </p:sld>
 </file>
 
@@ -4646,7 +4578,7 @@
               <a:defRPr/>
             </a:pPr>
             <a:r>
-              <a:rPr lang="en-US" dirty="0" smtClean="0">
+              <a:rPr lang="en-US" dirty="0">
                 <a:solidFill>
                   <a:schemeClr val="accent1">
                     <a:satMod val="150000"/>
@@ -4674,12 +4606,12 @@
           <a:graphicData uri="http://schemas.openxmlformats.org/presentationml/2006/ole">
             <mc:AlternateContent xmlns:mc="http://schemas.openxmlformats.org/markup-compatibility/2006">
               <mc:Choice xmlns:v="urn:schemas-microsoft-com:vml" Requires="v">
-                <p:oleObj spid="_x0000_s4105" name="Drawing" r:id="rId3" imgW="5022850" imgH="1854200" progId="Canvas.Drawing.8">
+                <p:oleObj name="Drawing" r:id="rId2" imgW="5022850" imgH="1854200" progId="Canvas.Drawing.8">
                   <p:embed/>
                 </p:oleObj>
               </mc:Choice>
               <mc:Fallback>
-                <p:oleObj name="Drawing" r:id="rId3" imgW="5022850" imgH="1854200" progId="Canvas.Drawing.8">
+                <p:oleObj name="Drawing" r:id="rId2" imgW="5022850" imgH="1854200" progId="Canvas.Drawing.8">
                   <p:embed/>
                   <p:pic>
                     <p:nvPicPr>
@@ -4690,7 +4622,7 @@
                       <p:nvPr/>
                     </p:nvPicPr>
                     <p:blipFill>
-                      <a:blip r:embed="rId4">
+                      <a:blip r:embed="rId3">
                         <a:extLst>
                           <a:ext uri="{28A0092B-C50C-407E-A947-70E740481C1C}">
                             <a14:useLocalDpi xmlns:a14="http://schemas.microsoft.com/office/drawing/2010/main" val="0"/>
@@ -4733,13 +4665,6 @@
   <p:clrMapOvr>
     <a:masterClrMapping/>
   </p:clrMapOvr>
-  <p:timing>
-    <p:tnLst>
-      <p:par>
-        <p:cTn id="1" dur="indefinite" restart="never" nodeType="tmRoot"/>
-      </p:par>
-    </p:tnLst>
-  </p:timing>
 </p:sld>
 </file>
 
@@ -4801,7 +4726,7 @@
         </p:nvSpPr>
         <p:spPr>
           <a:xfrm>
-            <a:off x="0" y="0"/>
+            <a:off x="609600" y="197722"/>
             <a:ext cx="7772400" cy="1143000"/>
           </a:xfrm>
         </p:spPr>
@@ -4816,340 +4741,136 @@
               <a:defRPr/>
             </a:pPr>
             <a:r>
-              <a:rPr lang="en-US" sz="3800" dirty="0" smtClean="0">
+              <a:rPr lang="en-US" sz="3800" dirty="0">
                 <a:solidFill>
                   <a:schemeClr val="tx1"/>
                 </a:solidFill>
               </a:rPr>
-              <a:t>SEEP2D</a:t>
+              <a:t>FE – Seepage Analysis</a:t>
             </a:r>
           </a:p>
         </p:txBody>
       </p:sp>
       <p:pic>
         <p:nvPicPr>
-          <p:cNvPr id="19460" name="Picture 5"/>
+          <p:cNvPr id="2" name="Picture 1">
+            <a:extLst>
+              <a:ext uri="{FF2B5EF4-FFF2-40B4-BE49-F238E27FC236}">
+                <a16:creationId xmlns:a16="http://schemas.microsoft.com/office/drawing/2014/main" id="{B9271EC8-D3C7-F199-B33A-D305D2EF4BC4}"/>
+              </a:ext>
+            </a:extLst>
+          </p:cNvPr>
           <p:cNvPicPr>
-            <a:picLocks noChangeAspect="1" noChangeArrowheads="1"/>
+            <a:picLocks noChangeAspect="1"/>
           </p:cNvPicPr>
           <p:nvPr/>
         </p:nvPicPr>
         <p:blipFill>
-          <a:blip r:embed="rId2" cstate="print"/>
-          <a:srcRect/>
+          <a:blip r:embed="rId2"/>
           <a:stretch>
             <a:fillRect/>
           </a:stretch>
         </p:blipFill>
-        <p:spPr bwMode="auto">
-          <a:xfrm>
-            <a:off x="363538" y="1033463"/>
-            <a:ext cx="8410575" cy="5632450"/>
+        <p:spPr>
+          <a:xfrm>
+            <a:off x="685800" y="1502228"/>
+            <a:ext cx="7772400" cy="3853543"/>
           </a:xfrm>
           <a:prstGeom prst="rect">
             <a:avLst/>
           </a:prstGeom>
-          <a:noFill/>
-          <a:ln w="28575">
-            <a:noFill/>
-            <a:miter lim="800000"/>
-            <a:headEnd type="none" w="sm" len="sm"/>
-            <a:tailEnd/>
-          </a:ln>
         </p:spPr>
       </p:pic>
-      <p:sp>
-        <p:nvSpPr>
-          <p:cNvPr id="19461" name="Text Box 6"/>
-          <p:cNvSpPr txBox="1">
-            <a:spLocks noChangeArrowheads="1"/>
-          </p:cNvSpPr>
-          <p:nvPr/>
-        </p:nvSpPr>
-        <p:spPr bwMode="auto">
-          <a:xfrm>
-            <a:off x="2890838" y="2154238"/>
-            <a:ext cx="1671637" cy="379412"/>
-          </a:xfrm>
-          <a:prstGeom prst="rect">
-            <a:avLst/>
-          </a:prstGeom>
-          <a:noFill/>
-          <a:ln w="12700">
-            <a:solidFill>
-              <a:schemeClr val="tx1"/>
-            </a:solidFill>
-            <a:miter lim="800000"/>
-            <a:headEnd type="none" w="sm" len="sm"/>
-            <a:tailEnd/>
-          </a:ln>
-        </p:spPr>
-        <p:txBody>
-          <a:bodyPr>
-            <a:spAutoFit/>
-          </a:bodyPr>
-          <a:lstStyle/>
-          <a:p>
-            <a:pPr>
-              <a:spcBef>
-                <a:spcPct val="50000"/>
-              </a:spcBef>
-            </a:pPr>
-            <a:r>
-              <a:rPr lang="en-US" b="1">
-                <a:solidFill>
-                  <a:srgbClr val="FF0000"/>
-                </a:solidFill>
-                <a:latin typeface="Calibri" pitchFamily="34" charset="0"/>
-              </a:rPr>
-              <a:t>CAD Drawing</a:t>
-            </a:r>
-          </a:p>
-        </p:txBody>
-      </p:sp>
       <p:pic>
         <p:nvPicPr>
-          <p:cNvPr id="606216" name="Picture 8"/>
+          <p:cNvPr id="3" name="Picture 2">
+            <a:extLst>
+              <a:ext uri="{FF2B5EF4-FFF2-40B4-BE49-F238E27FC236}">
+                <a16:creationId xmlns:a16="http://schemas.microsoft.com/office/drawing/2014/main" id="{1973574E-D93A-2AF3-8546-8FD68743512E}"/>
+              </a:ext>
+            </a:extLst>
+          </p:cNvPr>
           <p:cNvPicPr>
-            <a:picLocks noChangeAspect="1" noChangeArrowheads="1"/>
+            <a:picLocks noChangeAspect="1"/>
           </p:cNvPicPr>
           <p:nvPr/>
         </p:nvPicPr>
         <p:blipFill>
-          <a:blip r:embed="rId3" cstate="print"/>
-          <a:srcRect/>
+          <a:blip r:embed="rId3"/>
           <a:stretch>
             <a:fillRect/>
           </a:stretch>
         </p:blipFill>
-        <p:spPr bwMode="auto">
-          <a:xfrm>
-            <a:off x="368300" y="1033463"/>
-            <a:ext cx="8394700" cy="5622925"/>
+        <p:spPr>
+          <a:xfrm>
+            <a:off x="685800" y="1533372"/>
+            <a:ext cx="7772400" cy="3791255"/>
           </a:xfrm>
           <a:prstGeom prst="rect">
             <a:avLst/>
           </a:prstGeom>
-          <a:noFill/>
-          <a:ln w="28575">
-            <a:noFill/>
-            <a:miter lim="800000"/>
-            <a:headEnd type="none" w="sm" len="sm"/>
-            <a:tailEnd/>
-          </a:ln>
         </p:spPr>
       </p:pic>
-      <p:sp>
-        <p:nvSpPr>
-          <p:cNvPr id="606217" name="Text Box 9"/>
-          <p:cNvSpPr txBox="1">
-            <a:spLocks noChangeArrowheads="1"/>
-          </p:cNvSpPr>
-          <p:nvPr/>
-        </p:nvSpPr>
-        <p:spPr bwMode="auto">
-          <a:xfrm>
-            <a:off x="2905125" y="2084388"/>
-            <a:ext cx="1671638" cy="654050"/>
-          </a:xfrm>
-          <a:prstGeom prst="rect">
-            <a:avLst/>
-          </a:prstGeom>
-          <a:noFill/>
-          <a:ln w="12700">
-            <a:solidFill>
-              <a:schemeClr val="tx1"/>
-            </a:solidFill>
-            <a:miter lim="800000"/>
-            <a:headEnd type="none" w="sm" len="sm"/>
-            <a:tailEnd/>
-          </a:ln>
-        </p:spPr>
-        <p:txBody>
-          <a:bodyPr>
-            <a:spAutoFit/>
-          </a:bodyPr>
-          <a:lstStyle/>
-          <a:p>
-            <a:pPr>
-              <a:spcBef>
-                <a:spcPct val="50000"/>
-              </a:spcBef>
-            </a:pPr>
-            <a:r>
-              <a:rPr lang="en-US" b="1">
-                <a:solidFill>
-                  <a:srgbClr val="FF0000"/>
-                </a:solidFill>
-                <a:latin typeface="Calibri" pitchFamily="34" charset="0"/>
-              </a:rPr>
-              <a:t>Conceptual Model</a:t>
-            </a:r>
-          </a:p>
-        </p:txBody>
-      </p:sp>
       <p:pic>
         <p:nvPicPr>
-          <p:cNvPr id="606218" name="Picture 10"/>
+          <p:cNvPr id="6" name="Picture 5">
+            <a:extLst>
+              <a:ext uri="{FF2B5EF4-FFF2-40B4-BE49-F238E27FC236}">
+                <a16:creationId xmlns:a16="http://schemas.microsoft.com/office/drawing/2014/main" id="{44E92C1F-64B5-C647-C9F5-E1DCBC2A0B2B}"/>
+              </a:ext>
+            </a:extLst>
+          </p:cNvPr>
           <p:cNvPicPr>
-            <a:picLocks noChangeAspect="1" noChangeArrowheads="1"/>
+            <a:picLocks noChangeAspect="1"/>
           </p:cNvPicPr>
           <p:nvPr/>
         </p:nvPicPr>
         <p:blipFill>
-          <a:blip r:embed="rId4" cstate="print"/>
-          <a:srcRect/>
+          <a:blip r:embed="rId4"/>
           <a:stretch>
             <a:fillRect/>
           </a:stretch>
         </p:blipFill>
-        <p:spPr bwMode="auto">
-          <a:xfrm>
-            <a:off x="381000" y="1031875"/>
-            <a:ext cx="8382000" cy="5613400"/>
+        <p:spPr>
+          <a:xfrm>
+            <a:off x="838200" y="1651385"/>
+            <a:ext cx="7772400" cy="3860030"/>
           </a:xfrm>
           <a:prstGeom prst="rect">
             <a:avLst/>
           </a:prstGeom>
-          <a:noFill/>
-          <a:ln w="28575">
-            <a:noFill/>
-            <a:miter lim="800000"/>
-            <a:headEnd type="none" w="sm" len="sm"/>
-            <a:tailEnd/>
-          </a:ln>
         </p:spPr>
       </p:pic>
-      <p:sp>
-        <p:nvSpPr>
-          <p:cNvPr id="606219" name="Text Box 11"/>
-          <p:cNvSpPr txBox="1">
-            <a:spLocks noChangeArrowheads="1"/>
-          </p:cNvSpPr>
-          <p:nvPr/>
-        </p:nvSpPr>
-        <p:spPr bwMode="auto">
-          <a:xfrm>
-            <a:off x="3160713" y="2054225"/>
-            <a:ext cx="1809750" cy="654050"/>
-          </a:xfrm>
-          <a:prstGeom prst="rect">
-            <a:avLst/>
-          </a:prstGeom>
-          <a:noFill/>
-          <a:ln w="12700">
-            <a:solidFill>
-              <a:schemeClr val="tx1"/>
-            </a:solidFill>
-            <a:miter lim="800000"/>
-            <a:headEnd type="none" w="sm" len="sm"/>
-            <a:tailEnd/>
-          </a:ln>
-        </p:spPr>
-        <p:txBody>
-          <a:bodyPr>
-            <a:spAutoFit/>
-          </a:bodyPr>
-          <a:lstStyle/>
-          <a:p>
-            <a:pPr>
-              <a:spcBef>
-                <a:spcPct val="50000"/>
-              </a:spcBef>
-            </a:pPr>
-            <a:r>
-              <a:rPr lang="en-US" b="1">
-                <a:solidFill>
-                  <a:srgbClr val="FF0000"/>
-                </a:solidFill>
-                <a:latin typeface="Calibri" pitchFamily="34" charset="0"/>
-              </a:rPr>
-              <a:t>Finite Element Mesh</a:t>
-            </a:r>
-          </a:p>
-        </p:txBody>
-      </p:sp>
       <p:pic>
         <p:nvPicPr>
-          <p:cNvPr id="606220" name="Picture 12"/>
+          <p:cNvPr id="7" name="Picture 6">
+            <a:extLst>
+              <a:ext uri="{FF2B5EF4-FFF2-40B4-BE49-F238E27FC236}">
+                <a16:creationId xmlns:a16="http://schemas.microsoft.com/office/drawing/2014/main" id="{A91DDE4E-4208-78ED-CC4C-6864EA865F47}"/>
+              </a:ext>
+            </a:extLst>
+          </p:cNvPr>
           <p:cNvPicPr>
-            <a:picLocks noChangeAspect="1" noChangeArrowheads="1"/>
+            <a:picLocks noChangeAspect="1"/>
           </p:cNvPicPr>
           <p:nvPr/>
         </p:nvPicPr>
         <p:blipFill>
-          <a:blip r:embed="rId5" cstate="print"/>
-          <a:srcRect/>
+          <a:blip r:embed="rId5"/>
           <a:stretch>
             <a:fillRect/>
           </a:stretch>
         </p:blipFill>
-        <p:spPr bwMode="auto">
-          <a:xfrm>
-            <a:off x="368300" y="1042988"/>
-            <a:ext cx="8394700" cy="5622925"/>
+        <p:spPr>
+          <a:xfrm>
+            <a:off x="762000" y="1765003"/>
+            <a:ext cx="7772400" cy="3863435"/>
           </a:xfrm>
           <a:prstGeom prst="rect">
             <a:avLst/>
           </a:prstGeom>
-          <a:noFill/>
-          <a:ln w="28575">
-            <a:noFill/>
-            <a:miter lim="800000"/>
-            <a:headEnd type="none" w="sm" len="sm"/>
-            <a:tailEnd/>
-          </a:ln>
         </p:spPr>
       </p:pic>
-      <p:sp>
-        <p:nvSpPr>
-          <p:cNvPr id="606215" name="Text Box 7"/>
-          <p:cNvSpPr txBox="1">
-            <a:spLocks noChangeArrowheads="1"/>
-          </p:cNvSpPr>
-          <p:nvPr/>
-        </p:nvSpPr>
-        <p:spPr bwMode="auto">
-          <a:xfrm>
-            <a:off x="3870325" y="5294313"/>
-            <a:ext cx="3362325" cy="379412"/>
-          </a:xfrm>
-          <a:prstGeom prst="rect">
-            <a:avLst/>
-          </a:prstGeom>
-          <a:noFill/>
-          <a:ln w="12700">
-            <a:solidFill>
-              <a:schemeClr val="tx1"/>
-            </a:solidFill>
-            <a:miter lim="800000"/>
-            <a:headEnd type="none" w="sm" len="sm"/>
-            <a:tailEnd/>
-          </a:ln>
-        </p:spPr>
-        <p:txBody>
-          <a:bodyPr>
-            <a:spAutoFit/>
-          </a:bodyPr>
-          <a:lstStyle/>
-          <a:p>
-            <a:pPr>
-              <a:spcBef>
-                <a:spcPct val="50000"/>
-              </a:spcBef>
-            </a:pPr>
-            <a:r>
-              <a:rPr lang="en-US" b="1">
-                <a:solidFill>
-                  <a:srgbClr val="FF0000"/>
-                </a:solidFill>
-                <a:latin typeface="Calibri" pitchFamily="34" charset="0"/>
-              </a:rPr>
-              <a:t>SEEP2D Solution – Flow Net</a:t>
-            </a:r>
-          </a:p>
-        </p:txBody>
-      </p:sp>
     </p:spTree>
   </p:cSld>
   <p:clrMapOvr>
@@ -5190,43 +4911,7 @@
                                           </p:stCondLst>
                                         </p:cTn>
                                         <p:tgtEl>
-                                          <p:spTgt spid="606216"/>
-                                        </p:tgtEl>
-                                        <p:attrNameLst>
-                                          <p:attrName>style.visibility</p:attrName>
-                                        </p:attrNameLst>
-                                      </p:cBhvr>
-                                      <p:to>
-                                        <p:strVal val="visible"/>
-                                      </p:to>
-                                    </p:set>
-                                  </p:childTnLst>
-                                </p:cTn>
-                              </p:par>
-                            </p:childTnLst>
-                          </p:cTn>
-                        </p:par>
-                        <p:par>
-                          <p:cTn id="7" fill="hold">
-                            <p:stCondLst>
-                              <p:cond delay="0"/>
-                            </p:stCondLst>
-                            <p:childTnLst>
-                              <p:par>
-                                <p:cTn id="8" presetID="1" presetClass="entr" presetSubtype="0" fill="hold" grpId="0" nodeType="afterEffect">
-                                  <p:stCondLst>
-                                    <p:cond delay="0"/>
-                                  </p:stCondLst>
-                                  <p:childTnLst>
-                                    <p:set>
-                                      <p:cBhvr>
-                                        <p:cTn id="9" dur="1" fill="hold">
-                                          <p:stCondLst>
-                                            <p:cond delay="0"/>
-                                          </p:stCondLst>
-                                        </p:cTn>
-                                        <p:tgtEl>
-                                          <p:spTgt spid="606217"/>
+                                          <p:spTgt spid="3"/>
                                         </p:tgtEl>
                                         <p:attrNameLst>
                                           <p:attrName>style.visibility</p:attrName>
@@ -5246,68 +4931,32 @@
                     </p:cTn>
                   </p:par>
                   <p:par>
-                    <p:cTn id="10" fill="hold">
+                    <p:cTn id="7" fill="hold">
                       <p:stCondLst>
                         <p:cond delay="indefinite"/>
                       </p:stCondLst>
                       <p:childTnLst>
                         <p:par>
-                          <p:cTn id="11" fill="hold">
+                          <p:cTn id="8" fill="hold">
                             <p:stCondLst>
                               <p:cond delay="0"/>
                             </p:stCondLst>
                             <p:childTnLst>
                               <p:par>
-                                <p:cTn id="12" presetID="1" presetClass="entr" presetSubtype="0" fill="hold" nodeType="clickEffect">
+                                <p:cTn id="9" presetID="1" presetClass="entr" presetSubtype="0" fill="hold" nodeType="clickEffect">
                                   <p:stCondLst>
                                     <p:cond delay="0"/>
                                   </p:stCondLst>
                                   <p:childTnLst>
                                     <p:set>
                                       <p:cBhvr>
-                                        <p:cTn id="13" dur="1" fill="hold">
+                                        <p:cTn id="10" dur="1" fill="hold">
                                           <p:stCondLst>
                                             <p:cond delay="0"/>
                                           </p:stCondLst>
                                         </p:cTn>
                                         <p:tgtEl>
-                                          <p:spTgt spid="606218"/>
-                                        </p:tgtEl>
-                                        <p:attrNameLst>
-                                          <p:attrName>style.visibility</p:attrName>
-                                        </p:attrNameLst>
-                                      </p:cBhvr>
-                                      <p:to>
-                                        <p:strVal val="visible"/>
-                                      </p:to>
-                                    </p:set>
-                                  </p:childTnLst>
-                                </p:cTn>
-                              </p:par>
-                            </p:childTnLst>
-                          </p:cTn>
-                        </p:par>
-                        <p:par>
-                          <p:cTn id="14" fill="hold">
-                            <p:stCondLst>
-                              <p:cond delay="0"/>
-                            </p:stCondLst>
-                            <p:childTnLst>
-                              <p:par>
-                                <p:cTn id="15" presetID="1" presetClass="entr" presetSubtype="0" fill="hold" grpId="0" nodeType="afterEffect">
-                                  <p:stCondLst>
-                                    <p:cond delay="0"/>
-                                  </p:stCondLst>
-                                  <p:childTnLst>
-                                    <p:set>
-                                      <p:cBhvr>
-                                        <p:cTn id="16" dur="1" fill="hold">
-                                          <p:stCondLst>
-                                            <p:cond delay="0"/>
-                                          </p:stCondLst>
-                                        </p:cTn>
-                                        <p:tgtEl>
-                                          <p:spTgt spid="606219"/>
+                                          <p:spTgt spid="6"/>
                                         </p:tgtEl>
                                         <p:attrNameLst>
                                           <p:attrName>style.visibility</p:attrName>
@@ -5327,68 +4976,32 @@
                     </p:cTn>
                   </p:par>
                   <p:par>
-                    <p:cTn id="17" fill="hold">
+                    <p:cTn id="11" fill="hold">
                       <p:stCondLst>
                         <p:cond delay="indefinite"/>
                       </p:stCondLst>
                       <p:childTnLst>
                         <p:par>
-                          <p:cTn id="18" fill="hold">
+                          <p:cTn id="12" fill="hold">
                             <p:stCondLst>
                               <p:cond delay="0"/>
                             </p:stCondLst>
                             <p:childTnLst>
                               <p:par>
-                                <p:cTn id="19" presetID="1" presetClass="entr" presetSubtype="0" fill="hold" nodeType="clickEffect">
+                                <p:cTn id="13" presetID="1" presetClass="entr" presetSubtype="0" fill="hold" nodeType="clickEffect">
                                   <p:stCondLst>
                                     <p:cond delay="0"/>
                                   </p:stCondLst>
                                   <p:childTnLst>
                                     <p:set>
                                       <p:cBhvr>
-                                        <p:cTn id="20" dur="1" fill="hold">
+                                        <p:cTn id="14" dur="1" fill="hold">
                                           <p:stCondLst>
                                             <p:cond delay="0"/>
                                           </p:stCondLst>
                                         </p:cTn>
                                         <p:tgtEl>
-                                          <p:spTgt spid="606220"/>
-                                        </p:tgtEl>
-                                        <p:attrNameLst>
-                                          <p:attrName>style.visibility</p:attrName>
-                                        </p:attrNameLst>
-                                      </p:cBhvr>
-                                      <p:to>
-                                        <p:strVal val="visible"/>
-                                      </p:to>
-                                    </p:set>
-                                  </p:childTnLst>
-                                </p:cTn>
-                              </p:par>
-                            </p:childTnLst>
-                          </p:cTn>
-                        </p:par>
-                        <p:par>
-                          <p:cTn id="21" fill="hold">
-                            <p:stCondLst>
-                              <p:cond delay="0"/>
-                            </p:stCondLst>
-                            <p:childTnLst>
-                              <p:par>
-                                <p:cTn id="22" presetID="1" presetClass="entr" presetSubtype="0" fill="hold" grpId="0" nodeType="afterEffect">
-                                  <p:stCondLst>
-                                    <p:cond delay="0"/>
-                                  </p:stCondLst>
-                                  <p:childTnLst>
-                                    <p:set>
-                                      <p:cBhvr>
-                                        <p:cTn id="23" dur="1" fill="hold">
-                                          <p:stCondLst>
-                                            <p:cond delay="0"/>
-                                          </p:stCondLst>
-                                        </p:cTn>
-                                        <p:tgtEl>
-                                          <p:spTgt spid="606215"/>
+                                          <p:spTgt spid="7"/>
                                         </p:tgtEl>
                                         <p:attrNameLst>
                                           <p:attrName>style.visibility</p:attrName>
@@ -5428,11 +5041,6 @@
         </p:cTn>
       </p:par>
     </p:tnLst>
-    <p:bldLst>
-      <p:bldP spid="606217" grpId="0" animBg="1"/>
-      <p:bldP spid="606219" grpId="0" animBg="1"/>
-      <p:bldP spid="606215" grpId="0" animBg="1"/>
-    </p:bldLst>
   </p:timing>
 </p:sld>
 </file>
@@ -5476,7 +5084,7 @@
               <a:defRPr/>
             </a:pPr>
             <a:r>
-              <a:rPr lang="en-US" smtClean="0">
+              <a:rPr lang="en-US">
                 <a:solidFill>
                   <a:schemeClr val="accent1">
                     <a:satMod val="150000"/>
@@ -5509,43 +5117,43 @@
           <a:lstStyle/>
           <a:p>
             <a:r>
-              <a:rPr lang="en-US" smtClean="0"/>
+              <a:rPr lang="en-US"/>
               <a:t>Types of failures</a:t>
             </a:r>
           </a:p>
           <a:p>
             <a:r>
-              <a:rPr lang="en-US" smtClean="0"/>
+              <a:rPr lang="en-US"/>
               <a:t>Method of slices</a:t>
             </a:r>
           </a:p>
           <a:p>
             <a:r>
-              <a:rPr lang="en-US" smtClean="0"/>
+              <a:rPr lang="en-US"/>
               <a:t>Infinite slope analysis</a:t>
             </a:r>
           </a:p>
           <a:p>
             <a:r>
-              <a:rPr lang="en-US" smtClean="0"/>
+              <a:rPr lang="en-US"/>
               <a:t>UTEXAS slope stability program</a:t>
             </a:r>
           </a:p>
           <a:p>
             <a:r>
-              <a:rPr lang="en-US" smtClean="0"/>
+              <a:rPr lang="en-US"/>
               <a:t>Seismic analysis</a:t>
             </a:r>
           </a:p>
           <a:p>
             <a:r>
-              <a:rPr lang="en-US" smtClean="0"/>
+              <a:rPr lang="en-US"/>
               <a:t>Sudden drawdown, multi-stage analysis</a:t>
             </a:r>
           </a:p>
           <a:p>
             <a:pPr lvl="1"/>
-            <a:endParaRPr lang="en-US" smtClean="0"/>
+            <a:endParaRPr lang="en-US"/>
           </a:p>
         </p:txBody>
       </p:sp>
@@ -5554,13 +5162,6 @@
   <p:clrMapOvr>
     <a:masterClrMapping/>
   </p:clrMapOvr>
-  <p:timing>
-    <p:tnLst>
-      <p:par>
-        <p:cTn id="1" dur="indefinite" restart="never" nodeType="tmRoot"/>
-      </p:par>
-    </p:tnLst>
-  </p:timing>
 </p:sld>
 </file>
 
@@ -5618,13 +5219,6 @@
   <p:clrMapOvr>
     <a:masterClrMapping/>
   </p:clrMapOvr>
-  <p:timing>
-    <p:tnLst>
-      <p:par>
-        <p:cTn id="1" dur="indefinite" restart="never" nodeType="tmRoot"/>
-      </p:par>
-    </p:tnLst>
-  </p:timing>
 </p:sld>
 </file>
 
@@ -5682,13 +5276,6 @@
   <p:clrMapOvr>
     <a:masterClrMapping/>
   </p:clrMapOvr>
-  <p:timing>
-    <p:tnLst>
-      <p:par>
-        <p:cTn id="1" dur="indefinite" restart="never" nodeType="tmRoot"/>
-      </p:par>
-    </p:tnLst>
-  </p:timing>
 </p:sld>
 </file>
 
@@ -5746,13 +5333,6 @@
   <p:clrMapOvr>
     <a:masterClrMapping/>
   </p:clrMapOvr>
-  <p:timing>
-    <p:tnLst>
-      <p:par>
-        <p:cTn id="1" dur="indefinite" restart="never" nodeType="tmRoot"/>
-      </p:par>
-    </p:tnLst>
-  </p:timing>
 </p:sld>
 </file>
 
@@ -5810,13 +5390,6 @@
   <p:clrMapOvr>
     <a:masterClrMapping/>
   </p:clrMapOvr>
-  <p:timing>
-    <p:tnLst>
-      <p:par>
-        <p:cTn id="1" dur="indefinite" restart="never" nodeType="tmRoot"/>
-      </p:par>
-    </p:tnLst>
-  </p:timing>
 </p:sld>
 </file>
 
@@ -5859,7 +5432,7 @@
               <a:defRPr/>
             </a:pPr>
             <a:r>
-              <a:rPr lang="en-US" smtClean="0">
+              <a:rPr lang="en-US">
                 <a:solidFill>
                   <a:schemeClr val="accent1">
                     <a:satMod val="150000"/>
@@ -6004,13 +5577,6 @@
   <p:clrMapOvr>
     <a:masterClrMapping/>
   </p:clrMapOvr>
-  <p:timing>
-    <p:tnLst>
-      <p:par>
-        <p:cTn id="1" dur="indefinite" restart="never" nodeType="tmRoot"/>
-      </p:par>
-    </p:tnLst>
-  </p:timing>
 </p:sld>
 </file>
 
@@ -6033,7 +5599,13 @@
       </p:grpSpPr>
       <p:sp>
         <p:nvSpPr>
-          <p:cNvPr id="2" name="Title 1"/>
+          <p:cNvPr id="2" name="Title 1">
+            <a:extLst>
+              <a:ext uri="{FF2B5EF4-FFF2-40B4-BE49-F238E27FC236}">
+                <a16:creationId xmlns:a16="http://schemas.microsoft.com/office/drawing/2014/main" id="{4D45861B-F4C4-5682-4AE1-EBE7719BA3D0}"/>
+              </a:ext>
+            </a:extLst>
+          </p:cNvPr>
           <p:cNvSpPr>
             <a:spLocks noGrp="1"/>
           </p:cNvSpPr>
@@ -6046,35 +5618,22 @@
           <a:bodyPr/>
           <a:lstStyle/>
           <a:p>
-            <a:pPr eaLnBrk="1" fontAlgn="auto" hangingPunct="1">
-              <a:spcAft>
-                <a:spcPts val="0"/>
-              </a:spcAft>
-              <a:defRPr/>
-            </a:pPr>
             <a:r>
-              <a:rPr lang="en-US" dirty="0" smtClean="0">
-                <a:solidFill>
-                  <a:schemeClr val="accent1">
-                    <a:satMod val="150000"/>
-                  </a:schemeClr>
-                </a:solidFill>
-              </a:rPr>
-              <a:t>UTEXASED</a:t>
+              <a:rPr lang="en-US" dirty="0"/>
+              <a:t>Limit Equilibrium Analysis</a:t>
             </a:r>
-            <a:endParaRPr lang="en-US" dirty="0">
-              <a:solidFill>
-                <a:schemeClr val="accent1">
-                  <a:satMod val="150000"/>
-                </a:schemeClr>
-              </a:solidFill>
-            </a:endParaRPr>
           </a:p>
         </p:txBody>
       </p:sp>
       <p:pic>
         <p:nvPicPr>
-          <p:cNvPr id="3" name="Picture 2"/>
+          <p:cNvPr id="3" name="Picture 2">
+            <a:extLst>
+              <a:ext uri="{FF2B5EF4-FFF2-40B4-BE49-F238E27FC236}">
+                <a16:creationId xmlns:a16="http://schemas.microsoft.com/office/drawing/2014/main" id="{9E24707E-9140-FD39-FBE1-FA3EDA222242}"/>
+              </a:ext>
+            </a:extLst>
+          </p:cNvPr>
           <p:cNvPicPr>
             <a:picLocks noChangeAspect="1"/>
           </p:cNvPicPr>
@@ -6088,83 +5647,125 @@
         </p:blipFill>
         <p:spPr>
           <a:xfrm>
-            <a:off x="381000" y="1608577"/>
-            <a:ext cx="8077200" cy="5052517"/>
+            <a:off x="609600" y="1685795"/>
+            <a:ext cx="7772400" cy="5035639"/>
           </a:xfrm>
           <a:prstGeom prst="rect">
             <a:avLst/>
           </a:prstGeom>
         </p:spPr>
       </p:pic>
-      <p:sp>
-        <p:nvSpPr>
-          <p:cNvPr id="4" name="TextBox 3"/>
-          <p:cNvSpPr txBox="1"/>
-          <p:nvPr/>
-        </p:nvSpPr>
-        <p:spPr>
-          <a:xfrm>
-            <a:off x="762000" y="5562600"/>
-            <a:ext cx="3886200" cy="646331"/>
-          </a:xfrm>
-          <a:prstGeom prst="rect">
-            <a:avLst/>
-          </a:prstGeom>
-        </p:spPr>
-        <p:style>
-          <a:lnRef idx="1">
-            <a:schemeClr val="accent1"/>
-          </a:lnRef>
-          <a:fillRef idx="2">
-            <a:schemeClr val="accent1"/>
-          </a:fillRef>
-          <a:effectRef idx="1">
-            <a:schemeClr val="accent1"/>
-          </a:effectRef>
-          <a:fontRef idx="minor">
-            <a:schemeClr val="dk1"/>
-          </a:fontRef>
-        </p:style>
-        <p:txBody>
-          <a:bodyPr wrap="square" rtlCol="0">
-            <a:spAutoFit/>
-          </a:bodyPr>
-          <a:lstStyle/>
-          <a:p>
-            <a:pPr algn="ctr"/>
-            <a:r>
-              <a:rPr lang="en-US" dirty="0" smtClean="0"/>
-              <a:t>Developed by: Stephen </a:t>
-            </a:r>
-            <a:r>
-              <a:rPr lang="en-US" dirty="0"/>
-              <a:t>G. Wright – University of Texas at </a:t>
-            </a:r>
-            <a:r>
-              <a:rPr lang="en-US" dirty="0" smtClean="0"/>
-              <a:t>Austin</a:t>
-            </a:r>
-            <a:endParaRPr lang="en-US" dirty="0"/>
-          </a:p>
-        </p:txBody>
-      </p:sp>
     </p:spTree>
     <p:extLst>
       <p:ext uri="{BB962C8B-B14F-4D97-AF65-F5344CB8AC3E}">
-        <p14:creationId xmlns:p14="http://schemas.microsoft.com/office/powerpoint/2010/main" val="222692765"/>
+        <p14:creationId xmlns:p14="http://schemas.microsoft.com/office/powerpoint/2010/main" val="335703148"/>
       </p:ext>
     </p:extLst>
   </p:cSld>
   <p:clrMapOvr>
     <a:masterClrMapping/>
   </p:clrMapOvr>
-  <p:timing>
-    <p:tnLst>
-      <p:par>
-        <p:cTn id="1" dur="indefinite" restart="never" nodeType="tmRoot"/>
-      </p:par>
-    </p:tnLst>
-  </p:timing>
+</p:sld>
+</file>
+
+<file path=ppt/slides/slide19.xml><?xml version="1.0" encoding="utf-8"?>
+<p:sld xmlns:a="http://schemas.openxmlformats.org/drawingml/2006/main" xmlns:r="http://schemas.openxmlformats.org/officeDocument/2006/relationships" xmlns:p="http://schemas.openxmlformats.org/presentationml/2006/main">
+  <p:cSld>
+    <p:spTree>
+      <p:nvGrpSpPr>
+        <p:cNvPr id="1" name=""/>
+        <p:cNvGrpSpPr/>
+        <p:nvPr/>
+      </p:nvGrpSpPr>
+      <p:grpSpPr>
+        <a:xfrm>
+          <a:off x="0" y="0"/>
+          <a:ext cx="0" cy="0"/>
+          <a:chOff x="0" y="0"/>
+          <a:chExt cx="0" cy="0"/>
+        </a:xfrm>
+      </p:grpSpPr>
+      <p:pic>
+        <p:nvPicPr>
+          <p:cNvPr id="3" name="Picture 2">
+            <a:extLst>
+              <a:ext uri="{FF2B5EF4-FFF2-40B4-BE49-F238E27FC236}">
+                <a16:creationId xmlns:a16="http://schemas.microsoft.com/office/drawing/2014/main" id="{58175E10-144B-F33F-F94C-2A876C5E0284}"/>
+              </a:ext>
+            </a:extLst>
+          </p:cNvPr>
+          <p:cNvPicPr>
+            <a:picLocks noChangeAspect="1"/>
+          </p:cNvPicPr>
+          <p:nvPr/>
+        </p:nvPicPr>
+        <p:blipFill>
+          <a:blip r:embed="rId2"/>
+          <a:stretch>
+            <a:fillRect/>
+          </a:stretch>
+        </p:blipFill>
+        <p:spPr>
+          <a:xfrm>
+            <a:off x="228600" y="381000"/>
+            <a:ext cx="8447252" cy="5334000"/>
+          </a:xfrm>
+          <a:prstGeom prst="rect">
+            <a:avLst/>
+          </a:prstGeom>
+        </p:spPr>
+      </p:pic>
+      <p:sp>
+        <p:nvSpPr>
+          <p:cNvPr id="4" name="TextBox 3">
+            <a:extLst>
+              <a:ext uri="{FF2B5EF4-FFF2-40B4-BE49-F238E27FC236}">
+                <a16:creationId xmlns:a16="http://schemas.microsoft.com/office/drawing/2014/main" id="{16AEC05D-8509-9B4E-E25E-2C708B025540}"/>
+              </a:ext>
+            </a:extLst>
+          </p:cNvPr>
+          <p:cNvSpPr txBox="1"/>
+          <p:nvPr/>
+        </p:nvSpPr>
+        <p:spPr>
+          <a:xfrm>
+            <a:off x="1905000" y="6172200"/>
+            <a:ext cx="5638800" cy="369332"/>
+          </a:xfrm>
+          <a:prstGeom prst="rect">
+            <a:avLst/>
+          </a:prstGeom>
+          <a:noFill/>
+        </p:spPr>
+        <p:txBody>
+          <a:bodyPr wrap="square" rtlCol="0">
+            <a:spAutoFit/>
+          </a:bodyPr>
+          <a:lstStyle/>
+          <a:p>
+            <a:r>
+              <a:rPr lang="en-US" dirty="0">
+                <a:hlinkClick r:id="rId3"/>
+              </a:rPr>
+              <a:t>https://xslope.readthedocs.io/en/latest/</a:t>
+            </a:r>
+            <a:r>
+              <a:rPr lang="en-US" dirty="0"/>
+              <a:t> </a:t>
+            </a:r>
+          </a:p>
+        </p:txBody>
+      </p:sp>
+    </p:spTree>
+    <p:extLst>
+      <p:ext uri="{BB962C8B-B14F-4D97-AF65-F5344CB8AC3E}">
+        <p14:creationId xmlns:p14="http://schemas.microsoft.com/office/powerpoint/2010/main" val="2935589935"/>
+      </p:ext>
+    </p:extLst>
+  </p:cSld>
+  <p:clrMapOvr>
+    <a:masterClrMapping/>
+  </p:clrMapOvr>
 </p:sld>
 </file>
 
@@ -6207,7 +5808,7 @@
               <a:defRPr/>
             </a:pPr>
             <a:r>
-              <a:rPr lang="en-US" smtClean="0">
+              <a:rPr lang="en-US">
                 <a:solidFill>
                   <a:schemeClr val="accent1">
                     <a:satMod val="150000"/>
@@ -6240,55 +5841,55 @@
           <a:lstStyle/>
           <a:p>
             <a:r>
-              <a:rPr lang="en-US" smtClean="0"/>
+              <a:rPr lang="en-US" dirty="0"/>
               <a:t>Review (Darcy’s Law, heads, etc.)</a:t>
             </a:r>
           </a:p>
           <a:p>
             <a:r>
-              <a:rPr lang="en-US" smtClean="0"/>
+              <a:rPr lang="en-US" dirty="0"/>
               <a:t>Governing equations</a:t>
             </a:r>
           </a:p>
           <a:p>
             <a:r>
-              <a:rPr lang="en-US" smtClean="0"/>
+              <a:rPr lang="en-US" dirty="0"/>
               <a:t>Graphical solutions</a:t>
             </a:r>
           </a:p>
           <a:p>
             <a:r>
-              <a:rPr lang="en-US" smtClean="0"/>
+              <a:rPr lang="en-US" dirty="0"/>
               <a:t>Analytical solutions</a:t>
             </a:r>
           </a:p>
           <a:p>
             <a:r>
-              <a:rPr lang="en-US" smtClean="0"/>
+              <a:rPr lang="en-US" dirty="0"/>
               <a:t>Well equations</a:t>
             </a:r>
           </a:p>
           <a:p>
             <a:r>
-              <a:rPr lang="en-US" smtClean="0"/>
+              <a:rPr lang="en-US" dirty="0"/>
               <a:t>Construction dewatering</a:t>
             </a:r>
           </a:p>
           <a:p>
             <a:r>
-              <a:rPr lang="en-US" smtClean="0"/>
+              <a:rPr lang="en-US" dirty="0"/>
               <a:t>Finite difference method</a:t>
             </a:r>
           </a:p>
           <a:p>
             <a:r>
-              <a:rPr lang="en-US" smtClean="0"/>
-              <a:t>Finite element method, SEEP2D</a:t>
+              <a:rPr lang="en-US" dirty="0"/>
+              <a:t>Finite element method, XSLOPE</a:t>
             </a:r>
           </a:p>
           <a:p>
             <a:pPr lvl="1"/>
-            <a:endParaRPr lang="en-US" smtClean="0"/>
+            <a:endParaRPr lang="en-US" dirty="0"/>
           </a:p>
         </p:txBody>
       </p:sp>
@@ -6297,13 +5898,6 @@
   <p:clrMapOvr>
     <a:masterClrMapping/>
   </p:clrMapOvr>
-  <p:timing>
-    <p:tnLst>
-      <p:par>
-        <p:cTn id="1" dur="indefinite" restart="never" nodeType="tmRoot"/>
-      </p:par>
-    </p:tnLst>
-  </p:timing>
 </p:sld>
 </file>
 
@@ -6351,7 +5945,7 @@
               <a:defRPr/>
             </a:pPr>
             <a:r>
-              <a:rPr lang="en-US" smtClean="0">
+              <a:rPr lang="en-US">
                 <a:solidFill>
                   <a:schemeClr val="accent1">
                     <a:satMod val="150000"/>
@@ -6415,12 +6009,12 @@
           <a:graphicData uri="http://schemas.openxmlformats.org/presentationml/2006/ole">
             <mc:AlternateContent xmlns:mc="http://schemas.openxmlformats.org/markup-compatibility/2006">
               <mc:Choice xmlns:v="urn:schemas-microsoft-com:vml" Requires="v">
-                <p:oleObj spid="_x0000_s1033" name="Drawing" r:id="rId3" imgW="5099050" imgH="4124325" progId="Canvas.Drawing.8">
+                <p:oleObj name="Drawing" r:id="rId2" imgW="5099050" imgH="4124325" progId="Canvas.Drawing.8">
                   <p:embed/>
                 </p:oleObj>
               </mc:Choice>
               <mc:Fallback>
-                <p:oleObj name="Drawing" r:id="rId3" imgW="5099050" imgH="4124325" progId="Canvas.Drawing.8">
+                <p:oleObj name="Drawing" r:id="rId2" imgW="5099050" imgH="4124325" progId="Canvas.Drawing.8">
                   <p:embed/>
                   <p:pic>
                     <p:nvPicPr>
@@ -6431,7 +6025,7 @@
                       <p:nvPr/>
                     </p:nvPicPr>
                     <p:blipFill>
-                      <a:blip r:embed="rId4">
+                      <a:blip r:embed="rId3">
                         <a:extLst>
                           <a:ext uri="{28A0092B-C50C-407E-A947-70E740481C1C}">
                             <a14:useLocalDpi xmlns:a14="http://schemas.microsoft.com/office/drawing/2010/main" val="0"/>
@@ -6474,13 +6068,6 @@
   <p:clrMapOvr>
     <a:masterClrMapping/>
   </p:clrMapOvr>
-  <p:timing>
-    <p:tnLst>
-      <p:par>
-        <p:cTn id="1" dur="indefinite" restart="never" nodeType="tmRoot"/>
-      </p:par>
-    </p:tnLst>
-  </p:timing>
 </p:sld>
 </file>
 
@@ -6635,7 +6222,7 @@
               <a:defRPr/>
             </a:pPr>
             <a:r>
-              <a:rPr lang="en-US" smtClean="0">
+              <a:rPr lang="en-US">
                 <a:solidFill>
                   <a:schemeClr val="accent1">
                     <a:satMod val="150000"/>
@@ -9866,12 +9453,12 @@
           <a:graphicData uri="http://schemas.openxmlformats.org/presentationml/2006/ole">
             <mc:AlternateContent xmlns:mc="http://schemas.openxmlformats.org/markup-compatibility/2006">
               <mc:Choice xmlns:v="urn:schemas-microsoft-com:vml" Requires="v">
-                <p:oleObj spid="_x0000_s2057" name="Equation" r:id="rId3" imgW="1143000" imgH="431640" progId="Equation.3">
+                <p:oleObj name="Equation" r:id="rId2" imgW="1143000" imgH="431640" progId="Equation.3">
                   <p:embed/>
                 </p:oleObj>
               </mc:Choice>
               <mc:Fallback>
-                <p:oleObj name="Equation" r:id="rId3" imgW="1143000" imgH="431640" progId="Equation.3">
+                <p:oleObj name="Equation" r:id="rId2" imgW="1143000" imgH="431640" progId="Equation.3">
                   <p:embed/>
                   <p:pic>
                     <p:nvPicPr>
@@ -9882,7 +9469,7 @@
                       <p:nvPr/>
                     </p:nvPicPr>
                     <p:blipFill>
-                      <a:blip r:embed="rId4">
+                      <a:blip r:embed="rId3">
                         <a:extLst>
                           <a:ext uri="{28A0092B-C50C-407E-A947-70E740481C1C}">
                             <a14:useLocalDpi xmlns:a14="http://schemas.microsoft.com/office/drawing/2010/main" val="0"/>
@@ -9925,13 +9512,6 @@
   <p:clrMapOvr>
     <a:masterClrMapping/>
   </p:clrMapOvr>
-  <p:timing>
-    <p:tnLst>
-      <p:par>
-        <p:cTn id="1" dur="indefinite" restart="never" nodeType="tmRoot"/>
-      </p:par>
-    </p:tnLst>
-  </p:timing>
 </p:sld>
 </file>
 
@@ -9979,7 +9559,7 @@
               <a:defRPr/>
             </a:pPr>
             <a:r>
-              <a:rPr lang="en-US" dirty="0" smtClean="0">
+              <a:rPr lang="en-US" dirty="0">
                 <a:solidFill>
                   <a:schemeClr val="accent1">
                     <a:satMod val="150000"/>
@@ -10043,12 +9623,12 @@
           <a:graphicData uri="http://schemas.openxmlformats.org/presentationml/2006/ole">
             <mc:AlternateContent xmlns:mc="http://schemas.openxmlformats.org/markup-compatibility/2006">
               <mc:Choice xmlns:v="urn:schemas-microsoft-com:vml" Requires="v">
-                <p:oleObj spid="_x0000_s3087" name="Canvas Drawing" r:id="rId3" imgW="4965700" imgH="2527300" progId="Canvas">
+                <p:oleObj name="Canvas Drawing" r:id="rId2" imgW="4965700" imgH="2527300" progId="Canvas">
                   <p:embed/>
                 </p:oleObj>
               </mc:Choice>
               <mc:Fallback>
-                <p:oleObj name="Canvas Drawing" r:id="rId3" imgW="4965700" imgH="2527300" progId="Canvas">
+                <p:oleObj name="Canvas Drawing" r:id="rId2" imgW="4965700" imgH="2527300" progId="Canvas">
                   <p:embed/>
                   <p:pic>
                     <p:nvPicPr>
@@ -10059,7 +9639,7 @@
                       <p:nvPr/>
                     </p:nvPicPr>
                     <p:blipFill>
-                      <a:blip r:embed="rId4">
+                      <a:blip r:embed="rId3">
                         <a:extLst>
                           <a:ext uri="{28A0092B-C50C-407E-A947-70E740481C1C}">
                             <a14:useLocalDpi xmlns:a14="http://schemas.microsoft.com/office/drawing/2010/main" val="0"/>
@@ -10113,12 +9693,12 @@
           <a:graphicData uri="http://schemas.openxmlformats.org/presentationml/2006/ole">
             <mc:AlternateContent xmlns:mc="http://schemas.openxmlformats.org/markup-compatibility/2006">
               <mc:Choice xmlns:v="urn:schemas-microsoft-com:vml" Requires="v">
-                <p:oleObj spid="_x0000_s3088" name="Equation" r:id="rId5" imgW="1477094" imgH="533389" progId="Equation.3">
+                <p:oleObj name="Equation" r:id="rId4" imgW="1477094" imgH="533389" progId="Equation.3">
                   <p:embed/>
                 </p:oleObj>
               </mc:Choice>
               <mc:Fallback>
-                <p:oleObj name="Equation" r:id="rId5" imgW="1477094" imgH="533389" progId="Equation.3">
+                <p:oleObj name="Equation" r:id="rId4" imgW="1477094" imgH="533389" progId="Equation.3">
                   <p:embed/>
                   <p:pic>
                     <p:nvPicPr>
@@ -10129,7 +9709,7 @@
                       <p:nvPr/>
                     </p:nvPicPr>
                     <p:blipFill>
-                      <a:blip r:embed="rId6">
+                      <a:blip r:embed="rId5">
                         <a:extLst>
                           <a:ext uri="{28A0092B-C50C-407E-A947-70E740481C1C}">
                             <a14:useLocalDpi xmlns:a14="http://schemas.microsoft.com/office/drawing/2010/main" val="0"/>
@@ -10291,7 +9871,7 @@
         </p:nvSpPr>
         <p:spPr>
           <a:xfrm>
-            <a:off x="0" y="274638"/>
+            <a:off x="409575" y="304800"/>
             <a:ext cx="3429000" cy="2468562"/>
           </a:xfrm>
         </p:spPr>
@@ -10306,7 +9886,7 @@
               <a:defRPr/>
             </a:pPr>
             <a:r>
-              <a:rPr lang="en-US" dirty="0" smtClean="0">
+              <a:rPr lang="en-US" dirty="0">
                 <a:solidFill>
                   <a:schemeClr val="tx1"/>
                 </a:solidFill>
@@ -10395,7 +9975,7 @@
               <a:defRPr/>
             </a:pPr>
             <a:r>
-              <a:rPr lang="en-US" smtClean="0">
+              <a:rPr lang="en-US">
                 <a:solidFill>
                   <a:schemeClr val="accent1">
                     <a:satMod val="150000"/>
@@ -10486,7 +10066,7 @@
               <a:defRPr/>
             </a:pPr>
             <a:r>
-              <a:rPr lang="en-US" smtClean="0">
+              <a:rPr lang="en-US">
                 <a:solidFill>
                   <a:schemeClr val="accent1">
                     <a:satMod val="150000"/>
